--- a/icons/icon circles.pptx
+++ b/icons/icon circles.pptx
@@ -104,6 +104,11 @@
       </a:defRPr>
     </a:lvl9pPr>
   </p:defaultTextStyle>
+  <p:extLst>
+    <p:ext uri="{EFAFB233-063F-42B5-8137-9DF3F51BA10A}">
+      <p15:sldGuideLst xmlns:p15="http://schemas.microsoft.com/office/powerpoint/2012/main"/>
+    </p:ext>
+  </p:extLst>
 </p:presentation>
 </file>
 
@@ -254,7 +259,7 @@
           <a:p>
             <a:fld id="{71236160-CD0F-4C40-B1D5-DF0D01D62E70}" type="datetimeFigureOut">
               <a:rPr lang="de-DE" smtClean="0"/>
-              <a:t>08.07.2020</a:t>
+              <a:t>14.07.2020</a:t>
             </a:fld>
             <a:endParaRPr lang="de-DE"/>
           </a:p>
@@ -452,7 +457,7 @@
           <a:p>
             <a:fld id="{71236160-CD0F-4C40-B1D5-DF0D01D62E70}" type="datetimeFigureOut">
               <a:rPr lang="de-DE" smtClean="0"/>
-              <a:t>08.07.2020</a:t>
+              <a:t>14.07.2020</a:t>
             </a:fld>
             <a:endParaRPr lang="de-DE"/>
           </a:p>
@@ -660,7 +665,7 @@
           <a:p>
             <a:fld id="{71236160-CD0F-4C40-B1D5-DF0D01D62E70}" type="datetimeFigureOut">
               <a:rPr lang="de-DE" smtClean="0"/>
-              <a:t>08.07.2020</a:t>
+              <a:t>14.07.2020</a:t>
             </a:fld>
             <a:endParaRPr lang="de-DE"/>
           </a:p>
@@ -858,7 +863,7 @@
           <a:p>
             <a:fld id="{71236160-CD0F-4C40-B1D5-DF0D01D62E70}" type="datetimeFigureOut">
               <a:rPr lang="de-DE" smtClean="0"/>
-              <a:t>08.07.2020</a:t>
+              <a:t>14.07.2020</a:t>
             </a:fld>
             <a:endParaRPr lang="de-DE"/>
           </a:p>
@@ -1133,7 +1138,7 @@
           <a:p>
             <a:fld id="{71236160-CD0F-4C40-B1D5-DF0D01D62E70}" type="datetimeFigureOut">
               <a:rPr lang="de-DE" smtClean="0"/>
-              <a:t>08.07.2020</a:t>
+              <a:t>14.07.2020</a:t>
             </a:fld>
             <a:endParaRPr lang="de-DE"/>
           </a:p>
@@ -1398,7 +1403,7 @@
           <a:p>
             <a:fld id="{71236160-CD0F-4C40-B1D5-DF0D01D62E70}" type="datetimeFigureOut">
               <a:rPr lang="de-DE" smtClean="0"/>
-              <a:t>08.07.2020</a:t>
+              <a:t>14.07.2020</a:t>
             </a:fld>
             <a:endParaRPr lang="de-DE"/>
           </a:p>
@@ -1810,7 +1815,7 @@
           <a:p>
             <a:fld id="{71236160-CD0F-4C40-B1D5-DF0D01D62E70}" type="datetimeFigureOut">
               <a:rPr lang="de-DE" smtClean="0"/>
-              <a:t>08.07.2020</a:t>
+              <a:t>14.07.2020</a:t>
             </a:fld>
             <a:endParaRPr lang="de-DE"/>
           </a:p>
@@ -1951,7 +1956,7 @@
           <a:p>
             <a:fld id="{71236160-CD0F-4C40-B1D5-DF0D01D62E70}" type="datetimeFigureOut">
               <a:rPr lang="de-DE" smtClean="0"/>
-              <a:t>08.07.2020</a:t>
+              <a:t>14.07.2020</a:t>
             </a:fld>
             <a:endParaRPr lang="de-DE"/>
           </a:p>
@@ -2064,7 +2069,7 @@
           <a:p>
             <a:fld id="{71236160-CD0F-4C40-B1D5-DF0D01D62E70}" type="datetimeFigureOut">
               <a:rPr lang="de-DE" smtClean="0"/>
-              <a:t>08.07.2020</a:t>
+              <a:t>14.07.2020</a:t>
             </a:fld>
             <a:endParaRPr lang="de-DE"/>
           </a:p>
@@ -2375,7 +2380,7 @@
           <a:p>
             <a:fld id="{71236160-CD0F-4C40-B1D5-DF0D01D62E70}" type="datetimeFigureOut">
               <a:rPr lang="de-DE" smtClean="0"/>
-              <a:t>08.07.2020</a:t>
+              <a:t>14.07.2020</a:t>
             </a:fld>
             <a:endParaRPr lang="de-DE"/>
           </a:p>
@@ -2663,7 +2668,7 @@
           <a:p>
             <a:fld id="{71236160-CD0F-4C40-B1D5-DF0D01D62E70}" type="datetimeFigureOut">
               <a:rPr lang="de-DE" smtClean="0"/>
-              <a:t>08.07.2020</a:t>
+              <a:t>14.07.2020</a:t>
             </a:fld>
             <a:endParaRPr lang="de-DE"/>
           </a:p>
@@ -2904,7 +2909,7 @@
           <a:p>
             <a:fld id="{71236160-CD0F-4C40-B1D5-DF0D01D62E70}" type="datetimeFigureOut">
               <a:rPr lang="de-DE" smtClean="0"/>
-              <a:t>08.07.2020</a:t>
+              <a:t>14.07.2020</a:t>
             </a:fld>
             <a:endParaRPr lang="de-DE"/>
           </a:p>
@@ -3529,6 +3534,110 @@
           </a:p>
         </p:txBody>
       </p:sp>
+      <p:sp>
+        <p:nvSpPr>
+          <p:cNvPr id="2" name="Ellipse 1">
+            <a:extLst>
+              <a:ext uri="{FF2B5EF4-FFF2-40B4-BE49-F238E27FC236}">
+                <a16:creationId xmlns:a16="http://schemas.microsoft.com/office/drawing/2014/main" id="{B17AF53D-4E85-4E9E-8F3C-4A220FA7A84B}"/>
+              </a:ext>
+            </a:extLst>
+          </p:cNvPr>
+          <p:cNvSpPr/>
+          <p:nvPr/>
+        </p:nvSpPr>
+        <p:spPr>
+          <a:xfrm>
+            <a:off x="4840777" y="2654531"/>
+            <a:ext cx="914400" cy="914400"/>
+          </a:xfrm>
+          <a:prstGeom prst="ellipse">
+            <a:avLst/>
+          </a:prstGeom>
+          <a:solidFill>
+            <a:srgbClr val="FF0000"/>
+          </a:solidFill>
+          <a:ln>
+            <a:noFill/>
+          </a:ln>
+        </p:spPr>
+        <p:style>
+          <a:lnRef idx="2">
+            <a:schemeClr val="accent1">
+              <a:shade val="50000"/>
+            </a:schemeClr>
+          </a:lnRef>
+          <a:fillRef idx="1">
+            <a:schemeClr val="accent1"/>
+          </a:fillRef>
+          <a:effectRef idx="0">
+            <a:schemeClr val="accent1"/>
+          </a:effectRef>
+          <a:fontRef idx="minor">
+            <a:schemeClr val="lt1"/>
+          </a:fontRef>
+        </p:style>
+        <p:txBody>
+          <a:bodyPr rtlCol="0" anchor="ctr"/>
+          <a:lstStyle/>
+          <a:p>
+            <a:pPr algn="ctr"/>
+            <a:endParaRPr lang="de-DE"/>
+          </a:p>
+        </p:txBody>
+      </p:sp>
+      <p:sp>
+        <p:nvSpPr>
+          <p:cNvPr id="3" name="Ellipse 2">
+            <a:extLst>
+              <a:ext uri="{FF2B5EF4-FFF2-40B4-BE49-F238E27FC236}">
+                <a16:creationId xmlns:a16="http://schemas.microsoft.com/office/drawing/2014/main" id="{994C97AA-7027-4A5D-8C40-4B133D0F4B78}"/>
+              </a:ext>
+            </a:extLst>
+          </p:cNvPr>
+          <p:cNvSpPr/>
+          <p:nvPr/>
+        </p:nvSpPr>
+        <p:spPr>
+          <a:xfrm>
+            <a:off x="4197927" y="3674226"/>
+            <a:ext cx="914400" cy="914400"/>
+          </a:xfrm>
+          <a:prstGeom prst="ellipse">
+            <a:avLst/>
+          </a:prstGeom>
+          <a:solidFill>
+            <a:srgbClr val="FFFF00"/>
+          </a:solidFill>
+          <a:ln>
+            <a:noFill/>
+          </a:ln>
+        </p:spPr>
+        <p:style>
+          <a:lnRef idx="2">
+            <a:schemeClr val="accent1">
+              <a:shade val="50000"/>
+            </a:schemeClr>
+          </a:lnRef>
+          <a:fillRef idx="1">
+            <a:schemeClr val="accent1"/>
+          </a:fillRef>
+          <a:effectRef idx="0">
+            <a:schemeClr val="accent1"/>
+          </a:effectRef>
+          <a:fontRef idx="minor">
+            <a:schemeClr val="lt1"/>
+          </a:fontRef>
+        </p:style>
+        <p:txBody>
+          <a:bodyPr rtlCol="0" anchor="ctr"/>
+          <a:lstStyle/>
+          <a:p>
+            <a:pPr algn="ctr"/>
+            <a:endParaRPr lang="de-DE"/>
+          </a:p>
+        </p:txBody>
+      </p:sp>
     </p:spTree>
     <p:extLst>
       <p:ext uri="{BB962C8B-B14F-4D97-AF65-F5344CB8AC3E}">
@@ -3838,6 +3947,21 @@
 </file>
 
 <file path=customXml/item1.xml><?xml version="1.0" encoding="utf-8"?>
+<p:properties xmlns:p="http://schemas.microsoft.com/office/2006/metadata/properties" xmlns:xsi="http://www.w3.org/2001/XMLSchema-instance" xmlns:pc="http://schemas.microsoft.com/office/infopath/2007/PartnerControls">
+  <documentManagement/>
+</p:properties>
+</file>
+
+<file path=customXml/item2.xml><?xml version="1.0" encoding="utf-8"?>
+<?mso-contentType ?>
+<FormTemplates xmlns="http://schemas.microsoft.com/sharepoint/v3/contenttype/forms">
+  <Display>DocumentLibraryForm</Display>
+  <Edit>DocumentLibraryForm</Edit>
+  <New>DocumentLibraryForm</New>
+</FormTemplates>
+</file>
+
+<file path=customXml/item3.xml><?xml version="1.0" encoding="utf-8"?>
 <ct:contentTypeSchema xmlns:ct="http://schemas.microsoft.com/office/2006/metadata/contentType" xmlns:ma="http://schemas.microsoft.com/office/2006/metadata/properties/metaAttributes" ct:_="" ma:_="" ma:contentTypeName="Dokument" ma:contentTypeID="0x010100B7F5F6F5A93BF444B401644F803AE648" ma:contentTypeVersion="13" ma:contentTypeDescription="Ein neues Dokument erstellen." ma:contentTypeScope="" ma:versionID="8bf79575974825784d8df6f550f83830">
   <xsd:schema xmlns:xsd="http://www.w3.org/2001/XMLSchema" xmlns:xs="http://www.w3.org/2001/XMLSchema" xmlns:p="http://schemas.microsoft.com/office/2006/metadata/properties" xmlns:ns3="faaf3895-e69f-47f4-876a-bbbf73854ea7" xmlns:ns4="cf243863-ba60-48b2-b9db-622fdcaf8085" targetNamespace="http://schemas.microsoft.com/office/2006/metadata/properties" ma:root="true" ma:fieldsID="4741021b8bafb8f0e8bab507c2f5fed7" ns3:_="" ns4:_="">
     <xsd:import namespace="faaf3895-e69f-47f4-876a-bbbf73854ea7"/>
@@ -4060,22 +4184,24 @@
 </ct:contentTypeSchema>
 </file>
 
-<file path=customXml/item2.xml><?xml version="1.0" encoding="utf-8"?>
-<?mso-contentType ?>
-<FormTemplates xmlns="http://schemas.microsoft.com/sharepoint/v3/contenttype/forms">
-  <Display>DocumentLibraryForm</Display>
-  <Edit>DocumentLibraryForm</Edit>
-  <New>DocumentLibraryForm</New>
-</FormTemplates>
+<file path=customXml/itemProps1.xml><?xml version="1.0" encoding="utf-8"?>
+<ds:datastoreItem xmlns:ds="http://schemas.openxmlformats.org/officeDocument/2006/customXml" ds:itemID="{F00FB20E-8BA9-48C8-8416-7FABC831F73D}">
+  <ds:schemaRefs>
+    <ds:schemaRef ds:uri="http://schemas.microsoft.com/office/2006/metadata/properties"/>
+    <ds:schemaRef ds:uri="http://schemas.microsoft.com/office/infopath/2007/PartnerControls"/>
+  </ds:schemaRefs>
+</ds:datastoreItem>
 </file>
 
-<file path=customXml/item3.xml><?xml version="1.0" encoding="utf-8"?>
-<p:properties xmlns:p="http://schemas.microsoft.com/office/2006/metadata/properties" xmlns:xsi="http://www.w3.org/2001/XMLSchema-instance" xmlns:pc="http://schemas.microsoft.com/office/infopath/2007/PartnerControls">
-  <documentManagement/>
-</p:properties>
+<file path=customXml/itemProps2.xml><?xml version="1.0" encoding="utf-8"?>
+<ds:datastoreItem xmlns:ds="http://schemas.openxmlformats.org/officeDocument/2006/customXml" ds:itemID="{BE33FEFB-A352-4DA7-963F-45275E35066A}">
+  <ds:schemaRefs>
+    <ds:schemaRef ds:uri="http://schemas.microsoft.com/sharepoint/v3/contenttype/forms"/>
+  </ds:schemaRefs>
+</ds:datastoreItem>
 </file>
 
-<file path=customXml/itemProps1.xml><?xml version="1.0" encoding="utf-8"?>
+<file path=customXml/itemProps3.xml><?xml version="1.0" encoding="utf-8"?>
 <ds:datastoreItem xmlns:ds="http://schemas.openxmlformats.org/officeDocument/2006/customXml" ds:itemID="{CB2D3A27-6D2F-4025-A193-1235CF8CBBCF}">
   <ds:schemaRefs>
     <ds:schemaRef ds:uri="http://schemas.microsoft.com/office/2006/metadata/contentType"/>
@@ -4092,21 +4218,4 @@
     <ds:schemaRef ds:uri="http://schemas.microsoft.com/internal/obd"/>
   </ds:schemaRefs>
 </ds:datastoreItem>
-</file>
-
-<file path=customXml/itemProps2.xml><?xml version="1.0" encoding="utf-8"?>
-<ds:datastoreItem xmlns:ds="http://schemas.openxmlformats.org/officeDocument/2006/customXml" ds:itemID="{BE33FEFB-A352-4DA7-963F-45275E35066A}">
-  <ds:schemaRefs>
-    <ds:schemaRef ds:uri="http://schemas.microsoft.com/sharepoint/v3/contenttype/forms"/>
-  </ds:schemaRefs>
-</ds:datastoreItem>
-</file>
-
-<file path=customXml/itemProps3.xml><?xml version="1.0" encoding="utf-8"?>
-<ds:datastoreItem xmlns:ds="http://schemas.openxmlformats.org/officeDocument/2006/customXml" ds:itemID="{F00FB20E-8BA9-48C8-8416-7FABC831F73D}">
-  <ds:schemaRefs>
-    <ds:schemaRef ds:uri="http://schemas.microsoft.com/office/2006/metadata/properties"/>
-    <ds:schemaRef ds:uri="http://schemas.microsoft.com/office/infopath/2007/PartnerControls"/>
-  </ds:schemaRefs>
-</ds:datastoreItem>
 </file>